--- a/Presentation.pptx
+++ b/Presentation.pptx
@@ -15,7 +15,8 @@
     <p:sldId id="263" r:id="rId9"/>
     <p:sldId id="264" r:id="rId10"/>
     <p:sldId id="265" r:id="rId11"/>
-    <p:sldId id="266" r:id="rId12"/>
+    <p:sldId id="267" r:id="rId12"/>
+    <p:sldId id="266" r:id="rId13"/>
   </p:sldIdLst>
   <p:sldSz cx="12192000" cy="6858000"/>
   <p:notesSz cx="6858000" cy="9144000"/>
@@ -3506,6 +3507,149 @@
 </file>
 
 <file path=ppt/slides/slide11.xml><?xml version="1.0" encoding="utf-8"?>
+<p:sld xmlns:a="http://schemas.openxmlformats.org/drawingml/2006/main" xmlns:r="http://schemas.openxmlformats.org/officeDocument/2006/relationships" xmlns:p="http://schemas.openxmlformats.org/presentationml/2006/main">
+  <p:cSld>
+    <p:spTree>
+      <p:nvGrpSpPr>
+        <p:cNvPr id="1" name=""/>
+        <p:cNvGrpSpPr/>
+        <p:nvPr/>
+      </p:nvGrpSpPr>
+      <p:grpSpPr>
+        <a:xfrm>
+          <a:off x="0" y="0"/>
+          <a:ext cx="0" cy="0"/>
+          <a:chOff x="0" y="0"/>
+          <a:chExt cx="0" cy="0"/>
+        </a:xfrm>
+      </p:grpSpPr>
+      <p:sp>
+        <p:nvSpPr>
+          <p:cNvPr id="2" name="Title 1">
+            <a:extLst>
+              <a:ext uri="{FF2B5EF4-FFF2-40B4-BE49-F238E27FC236}">
+                <a16:creationId xmlns:a16="http://schemas.microsoft.com/office/drawing/2014/main" id="{F890DEC0-7AE0-48AA-AA37-2D85CE0EB4B4}"/>
+              </a:ext>
+            </a:extLst>
+          </p:cNvPr>
+          <p:cNvSpPr>
+            <a:spLocks noGrp="1"/>
+          </p:cNvSpPr>
+          <p:nvPr>
+            <p:ph type="title"/>
+          </p:nvPr>
+        </p:nvSpPr>
+        <p:spPr/>
+        <p:txBody>
+          <a:bodyPr/>
+          <a:lstStyle/>
+          <a:p>
+            <a:r>
+              <a:rPr lang="en-US" dirty="0"/>
+              <a:t> </a:t>
+            </a:r>
+            <a:r>
+              <a:rPr lang="en-US" u="sng" dirty="0"/>
+              <a:t>Conclusion:</a:t>
+            </a:r>
+          </a:p>
+        </p:txBody>
+      </p:sp>
+      <p:sp>
+        <p:nvSpPr>
+          <p:cNvPr id="3" name="Content Placeholder 2">
+            <a:extLst>
+              <a:ext uri="{FF2B5EF4-FFF2-40B4-BE49-F238E27FC236}">
+                <a16:creationId xmlns:a16="http://schemas.microsoft.com/office/drawing/2014/main" id="{FD62BA21-40FC-437F-B525-2183144E4386}"/>
+              </a:ext>
+            </a:extLst>
+          </p:cNvPr>
+          <p:cNvSpPr>
+            <a:spLocks noGrp="1"/>
+          </p:cNvSpPr>
+          <p:nvPr>
+            <p:ph idx="1"/>
+          </p:nvPr>
+        </p:nvSpPr>
+        <p:spPr/>
+        <p:txBody>
+          <a:bodyPr>
+            <a:normAutofit/>
+          </a:bodyPr>
+          <a:lstStyle/>
+          <a:p>
+            <a:pPr marL="0" indent="0">
+              <a:buNone/>
+            </a:pPr>
+            <a:r>
+              <a:rPr lang="en-US" dirty="0"/>
+              <a:t>Considering the factors like,</a:t>
+            </a:r>
+          </a:p>
+          <a:p>
+            <a:r>
+              <a:rPr lang="en-US" dirty="0"/>
+              <a:t> Age </a:t>
+            </a:r>
+          </a:p>
+          <a:p>
+            <a:r>
+              <a:rPr lang="en-US" dirty="0"/>
+              <a:t>Gender</a:t>
+            </a:r>
+          </a:p>
+          <a:p>
+            <a:r>
+              <a:rPr lang="en-US" dirty="0"/>
+              <a:t>Customer and Subscriber count</a:t>
+            </a:r>
+          </a:p>
+          <a:p>
+            <a:r>
+              <a:rPr lang="en-US" dirty="0"/>
+              <a:t>Season(holiday season)</a:t>
+            </a:r>
+          </a:p>
+          <a:p>
+            <a:r>
+              <a:rPr lang="en-US" dirty="0"/>
+              <a:t>Climate</a:t>
+            </a:r>
+          </a:p>
+          <a:p>
+            <a:pPr marL="0" indent="0">
+              <a:buNone/>
+            </a:pPr>
+            <a:r>
+              <a:rPr lang="en-US" dirty="0"/>
+              <a:t>from 2019 , Q2 , We can expect a very good number of rides this summer But considering “Corona” virus situation which is a burning issue may have impact on the rides. </a:t>
+            </a:r>
+          </a:p>
+          <a:p>
+            <a:endParaRPr lang="en-US" dirty="0"/>
+          </a:p>
+          <a:p>
+            <a:pPr marL="0" indent="0">
+              <a:buNone/>
+            </a:pPr>
+            <a:endParaRPr lang="en-US" dirty="0"/>
+          </a:p>
+        </p:txBody>
+      </p:sp>
+    </p:spTree>
+    <p:extLst>
+      <p:ext uri="{BB962C8B-B14F-4D97-AF65-F5344CB8AC3E}">
+        <p14:creationId xmlns:p14="http://schemas.microsoft.com/office/powerpoint/2010/main" val="1820856916"/>
+      </p:ext>
+    </p:extLst>
+  </p:cSld>
+  <p:clrMapOvr>
+    <a:masterClrMapping/>
+  </p:clrMapOvr>
+</p:sld>
+</file>
+
+<file path=ppt/slides/slide12.xml><?xml version="1.0" encoding="utf-8"?>
 <p:sld xmlns:a="http://schemas.openxmlformats.org/drawingml/2006/main" xmlns:r="http://schemas.openxmlformats.org/officeDocument/2006/relationships" xmlns:p="http://schemas.openxmlformats.org/presentationml/2006/main">
   <p:cSld>
     <p:spTree>
